--- a/사자산기실기/PPT/공개문제2번(0710).pptx
+++ b/사자산기실기/PPT/공개문제2번(0710).pptx
@@ -6,6 +6,7 @@
   </p:sldMasterIdLst>
   <p:sldIdLst>
     <p:sldId id="256" r:id="rId2"/>
+    <p:sldId id="257" r:id="rId3"/>
   </p:sldIdLst>
   <p:sldSz cx="9144000" cy="6858000" type="screen4x3"/>
   <p:notesSz cx="6858000" cy="9144000"/>
@@ -104,6 +105,11 @@
       </a:defRPr>
     </a:lvl9pPr>
   </p:defaultTextStyle>
+  <p:extLst>
+    <p:ext uri="{EFAFB233-063F-42B5-8137-9DF3F51BA10A}">
+      <p15:sldGuideLst xmlns:p15="http://schemas.microsoft.com/office/powerpoint/2012/main"/>
+    </p:ext>
+  </p:extLst>
 </p:presentation>
 </file>
 
@@ -238,7 +244,7 @@
           <a:p>
             <a:fld id="{CB37177E-BB27-45F2-BFDA-50742E56D9D8}" type="datetimeFigureOut">
               <a:rPr lang="ko-KR" altLang="en-US" smtClean="0"/>
-              <a:t>2025-07-10</a:t>
+              <a:t>2025-07-06</a:t>
             </a:fld>
             <a:endParaRPr lang="ko-KR" altLang="en-US"/>
           </a:p>
@@ -408,7 +414,7 @@
           <a:p>
             <a:fld id="{CB37177E-BB27-45F2-BFDA-50742E56D9D8}" type="datetimeFigureOut">
               <a:rPr lang="ko-KR" altLang="en-US" smtClean="0"/>
-              <a:t>2025-07-10</a:t>
+              <a:t>2025-07-06</a:t>
             </a:fld>
             <a:endParaRPr lang="ko-KR" altLang="en-US"/>
           </a:p>
@@ -588,7 +594,7 @@
           <a:p>
             <a:fld id="{CB37177E-BB27-45F2-BFDA-50742E56D9D8}" type="datetimeFigureOut">
               <a:rPr lang="ko-KR" altLang="en-US" smtClean="0"/>
-              <a:t>2025-07-10</a:t>
+              <a:t>2025-07-06</a:t>
             </a:fld>
             <a:endParaRPr lang="ko-KR" altLang="en-US"/>
           </a:p>
@@ -758,7 +764,7 @@
           <a:p>
             <a:fld id="{CB37177E-BB27-45F2-BFDA-50742E56D9D8}" type="datetimeFigureOut">
               <a:rPr lang="ko-KR" altLang="en-US" smtClean="0"/>
-              <a:t>2025-07-10</a:t>
+              <a:t>2025-07-06</a:t>
             </a:fld>
             <a:endParaRPr lang="ko-KR" altLang="en-US"/>
           </a:p>
@@ -1004,7 +1010,7 @@
           <a:p>
             <a:fld id="{CB37177E-BB27-45F2-BFDA-50742E56D9D8}" type="datetimeFigureOut">
               <a:rPr lang="ko-KR" altLang="en-US" smtClean="0"/>
-              <a:t>2025-07-10</a:t>
+              <a:t>2025-07-06</a:t>
             </a:fld>
             <a:endParaRPr lang="ko-KR" altLang="en-US"/>
           </a:p>
@@ -1236,7 +1242,7 @@
           <a:p>
             <a:fld id="{CB37177E-BB27-45F2-BFDA-50742E56D9D8}" type="datetimeFigureOut">
               <a:rPr lang="ko-KR" altLang="en-US" smtClean="0"/>
-              <a:t>2025-07-10</a:t>
+              <a:t>2025-07-06</a:t>
             </a:fld>
             <a:endParaRPr lang="ko-KR" altLang="en-US"/>
           </a:p>
@@ -1603,7 +1609,7 @@
           <a:p>
             <a:fld id="{CB37177E-BB27-45F2-BFDA-50742E56D9D8}" type="datetimeFigureOut">
               <a:rPr lang="ko-KR" altLang="en-US" smtClean="0"/>
-              <a:t>2025-07-10</a:t>
+              <a:t>2025-07-06</a:t>
             </a:fld>
             <a:endParaRPr lang="ko-KR" altLang="en-US"/>
           </a:p>
@@ -1721,7 +1727,7 @@
           <a:p>
             <a:fld id="{CB37177E-BB27-45F2-BFDA-50742E56D9D8}" type="datetimeFigureOut">
               <a:rPr lang="ko-KR" altLang="en-US" smtClean="0"/>
-              <a:t>2025-07-10</a:t>
+              <a:t>2025-07-06</a:t>
             </a:fld>
             <a:endParaRPr lang="ko-KR" altLang="en-US"/>
           </a:p>
@@ -1816,7 +1822,7 @@
           <a:p>
             <a:fld id="{CB37177E-BB27-45F2-BFDA-50742E56D9D8}" type="datetimeFigureOut">
               <a:rPr lang="ko-KR" altLang="en-US" smtClean="0"/>
-              <a:t>2025-07-10</a:t>
+              <a:t>2025-07-06</a:t>
             </a:fld>
             <a:endParaRPr lang="ko-KR" altLang="en-US"/>
           </a:p>
@@ -2093,7 +2099,7 @@
           <a:p>
             <a:fld id="{CB37177E-BB27-45F2-BFDA-50742E56D9D8}" type="datetimeFigureOut">
               <a:rPr lang="ko-KR" altLang="en-US" smtClean="0"/>
-              <a:t>2025-07-10</a:t>
+              <a:t>2025-07-06</a:t>
             </a:fld>
             <a:endParaRPr lang="ko-KR" altLang="en-US"/>
           </a:p>
@@ -2350,7 +2356,7 @@
           <a:p>
             <a:fld id="{CB37177E-BB27-45F2-BFDA-50742E56D9D8}" type="datetimeFigureOut">
               <a:rPr lang="ko-KR" altLang="en-US" smtClean="0"/>
-              <a:t>2025-07-10</a:t>
+              <a:t>2025-07-06</a:t>
             </a:fld>
             <a:endParaRPr lang="ko-KR" altLang="en-US"/>
           </a:p>
@@ -2563,7 +2569,7 @@
           <a:p>
             <a:fld id="{CB37177E-BB27-45F2-BFDA-50742E56D9D8}" type="datetimeFigureOut">
               <a:rPr lang="ko-KR" altLang="en-US" smtClean="0"/>
-              <a:t>2025-07-10</a:t>
+              <a:t>2025-07-06</a:t>
             </a:fld>
             <a:endParaRPr lang="ko-KR" altLang="en-US"/>
           </a:p>
@@ -3851,6 +3857,1089 @@
     <p:extLst>
       <p:ext uri="{BB962C8B-B14F-4D97-AF65-F5344CB8AC3E}">
         <p14:creationId xmlns:p14="http://schemas.microsoft.com/office/powerpoint/2010/main" val="521368929"/>
+      </p:ext>
+    </p:extLst>
+  </p:cSld>
+  <p:clrMapOvr>
+    <a:masterClrMapping/>
+  </p:clrMapOvr>
+</p:sld>
+</file>
+
+<file path=ppt/slides/slide2.xml><?xml version="1.0" encoding="utf-8"?>
+<p:sld xmlns:a="http://schemas.openxmlformats.org/drawingml/2006/main" xmlns:r="http://schemas.openxmlformats.org/officeDocument/2006/relationships" xmlns:p="http://schemas.openxmlformats.org/presentationml/2006/main">
+  <p:cSld>
+    <p:spTree>
+      <p:nvGrpSpPr>
+        <p:cNvPr id="1" name=""/>
+        <p:cNvGrpSpPr/>
+        <p:nvPr/>
+      </p:nvGrpSpPr>
+      <p:grpSpPr>
+        <a:xfrm>
+          <a:off x="0" y="0"/>
+          <a:ext cx="0" cy="0"/>
+          <a:chOff x="0" y="0"/>
+          <a:chExt cx="0" cy="0"/>
+        </a:xfrm>
+      </p:grpSpPr>
+      <p:sp>
+        <p:nvSpPr>
+          <p:cNvPr id="2" name="직사각형 1">
+            <a:extLst>
+              <a:ext uri="{FF2B5EF4-FFF2-40B4-BE49-F238E27FC236}">
+                <a16:creationId xmlns:a16="http://schemas.microsoft.com/office/drawing/2014/main" id="{C4913BD5-759A-0A09-5C24-BC8790DC0FAB}"/>
+              </a:ext>
+            </a:extLst>
+          </p:cNvPr>
+          <p:cNvSpPr/>
+          <p:nvPr/>
+        </p:nvSpPr>
+        <p:spPr>
+          <a:xfrm>
+            <a:off x="783131" y="596766"/>
+            <a:ext cx="7090334" cy="727400"/>
+          </a:xfrm>
+          <a:prstGeom prst="rect">
+            <a:avLst/>
+          </a:prstGeom>
+        </p:spPr>
+        <p:style>
+          <a:lnRef idx="2">
+            <a:schemeClr val="dk1"/>
+          </a:lnRef>
+          <a:fillRef idx="1">
+            <a:schemeClr val="lt1"/>
+          </a:fillRef>
+          <a:effectRef idx="0">
+            <a:schemeClr val="dk1"/>
+          </a:effectRef>
+          <a:fontRef idx="minor">
+            <a:schemeClr val="dk1"/>
+          </a:fontRef>
+        </p:style>
+        <p:txBody>
+          <a:bodyPr rtlCol="0" anchor="ctr"/>
+          <a:lstStyle/>
+          <a:p>
+            <a:pPr algn="ctr"/>
+            <a:r>
+              <a:rPr lang="ko-KR" altLang="en-US" sz="3600" dirty="0">
+                <a:latin typeface="굴림" panose="020B0600000101010101" pitchFamily="50" charset="-127"/>
+                <a:ea typeface="굴림" panose="020B0600000101010101" pitchFamily="50" charset="-127"/>
+              </a:rPr>
+              <a:t>영업점 직원 교육 방안</a:t>
+            </a:r>
+          </a:p>
+        </p:txBody>
+      </p:sp>
+      <p:cxnSp>
+        <p:nvCxnSpPr>
+          <p:cNvPr id="4" name="직선 연결선 3">
+            <a:extLst>
+              <a:ext uri="{FF2B5EF4-FFF2-40B4-BE49-F238E27FC236}">
+                <a16:creationId xmlns:a16="http://schemas.microsoft.com/office/drawing/2014/main" id="{45BE24AC-9FF2-50FA-31C0-FDA7433D40C3}"/>
+              </a:ext>
+            </a:extLst>
+          </p:cNvPr>
+          <p:cNvCxnSpPr/>
+          <p:nvPr/>
+        </p:nvCxnSpPr>
+        <p:spPr>
+          <a:xfrm>
+            <a:off x="1794095" y="1910968"/>
+            <a:ext cx="0" cy="4010139"/>
+          </a:xfrm>
+          <a:prstGeom prst="line">
+            <a:avLst/>
+          </a:prstGeom>
+        </p:spPr>
+        <p:style>
+          <a:lnRef idx="2">
+            <a:schemeClr val="dk1"/>
+          </a:lnRef>
+          <a:fillRef idx="0">
+            <a:schemeClr val="dk1"/>
+          </a:fillRef>
+          <a:effectRef idx="1">
+            <a:schemeClr val="dk1"/>
+          </a:effectRef>
+          <a:fontRef idx="minor">
+            <a:schemeClr val="tx1"/>
+          </a:fontRef>
+        </p:style>
+      </p:cxnSp>
+      <p:cxnSp>
+        <p:nvCxnSpPr>
+          <p:cNvPr id="5" name="직선 연결선 4">
+            <a:extLst>
+              <a:ext uri="{FF2B5EF4-FFF2-40B4-BE49-F238E27FC236}">
+                <a16:creationId xmlns:a16="http://schemas.microsoft.com/office/drawing/2014/main" id="{9F8CEEBA-D1A1-FA46-26CC-C243C5C48BEF}"/>
+              </a:ext>
+            </a:extLst>
+          </p:cNvPr>
+          <p:cNvCxnSpPr/>
+          <p:nvPr/>
+        </p:nvCxnSpPr>
+        <p:spPr>
+          <a:xfrm>
+            <a:off x="4531812" y="1925351"/>
+            <a:ext cx="0" cy="4010139"/>
+          </a:xfrm>
+          <a:prstGeom prst="line">
+            <a:avLst/>
+          </a:prstGeom>
+        </p:spPr>
+        <p:style>
+          <a:lnRef idx="2">
+            <a:schemeClr val="dk1"/>
+          </a:lnRef>
+          <a:fillRef idx="0">
+            <a:schemeClr val="dk1"/>
+          </a:fillRef>
+          <a:effectRef idx="1">
+            <a:schemeClr val="dk1"/>
+          </a:effectRef>
+          <a:fontRef idx="minor">
+            <a:schemeClr val="tx1"/>
+          </a:fontRef>
+        </p:style>
+      </p:cxnSp>
+      <p:cxnSp>
+        <p:nvCxnSpPr>
+          <p:cNvPr id="6" name="직선 연결선 5">
+            <a:extLst>
+              <a:ext uri="{FF2B5EF4-FFF2-40B4-BE49-F238E27FC236}">
+                <a16:creationId xmlns:a16="http://schemas.microsoft.com/office/drawing/2014/main" id="{BC6A7C93-97D1-378F-D53A-4C776D05A3CA}"/>
+              </a:ext>
+            </a:extLst>
+          </p:cNvPr>
+          <p:cNvCxnSpPr/>
+          <p:nvPr/>
+        </p:nvCxnSpPr>
+        <p:spPr>
+          <a:xfrm>
+            <a:off x="7225462" y="1957534"/>
+            <a:ext cx="0" cy="4010139"/>
+          </a:xfrm>
+          <a:prstGeom prst="line">
+            <a:avLst/>
+          </a:prstGeom>
+        </p:spPr>
+        <p:style>
+          <a:lnRef idx="2">
+            <a:schemeClr val="dk1"/>
+          </a:lnRef>
+          <a:fillRef idx="0">
+            <a:schemeClr val="dk1"/>
+          </a:fillRef>
+          <a:effectRef idx="1">
+            <a:schemeClr val="dk1"/>
+          </a:effectRef>
+          <a:fontRef idx="minor">
+            <a:schemeClr val="tx1"/>
+          </a:fontRef>
+        </p:style>
+      </p:cxnSp>
+      <p:sp>
+        <p:nvSpPr>
+          <p:cNvPr id="7" name="TextBox 6">
+            <a:extLst>
+              <a:ext uri="{FF2B5EF4-FFF2-40B4-BE49-F238E27FC236}">
+                <a16:creationId xmlns:a16="http://schemas.microsoft.com/office/drawing/2014/main" id="{AB6B9996-11E3-156B-0F7F-FE8F6F2D7BD4}"/>
+              </a:ext>
+            </a:extLst>
+          </p:cNvPr>
+          <p:cNvSpPr txBox="1"/>
+          <p:nvPr/>
+        </p:nvSpPr>
+        <p:spPr>
+          <a:xfrm>
+            <a:off x="170892" y="2308767"/>
+            <a:ext cx="1358900" cy="369332"/>
+          </a:xfrm>
+          <a:prstGeom prst="rect">
+            <a:avLst/>
+          </a:prstGeom>
+          <a:noFill/>
+        </p:spPr>
+        <p:txBody>
+          <a:bodyPr wrap="square" rtlCol="0">
+            <a:spAutoFit/>
+          </a:bodyPr>
+          <a:lstStyle/>
+          <a:p>
+            <a:pPr algn="ctr"/>
+            <a:r>
+              <a:rPr lang="ko-KR" altLang="en-US" dirty="0"/>
+              <a:t>창구직원</a:t>
+            </a:r>
+          </a:p>
+        </p:txBody>
+      </p:sp>
+      <p:sp>
+        <p:nvSpPr>
+          <p:cNvPr id="8" name="TextBox 7">
+            <a:extLst>
+              <a:ext uri="{FF2B5EF4-FFF2-40B4-BE49-F238E27FC236}">
+                <a16:creationId xmlns:a16="http://schemas.microsoft.com/office/drawing/2014/main" id="{90CFA038-3F0D-296E-BAD9-10F98AA87CD5}"/>
+              </a:ext>
+            </a:extLst>
+          </p:cNvPr>
+          <p:cNvSpPr txBox="1"/>
+          <p:nvPr/>
+        </p:nvSpPr>
+        <p:spPr>
+          <a:xfrm>
+            <a:off x="204760" y="3739633"/>
+            <a:ext cx="1358900" cy="369332"/>
+          </a:xfrm>
+          <a:prstGeom prst="rect">
+            <a:avLst/>
+          </a:prstGeom>
+          <a:noFill/>
+        </p:spPr>
+        <p:txBody>
+          <a:bodyPr wrap="square" rtlCol="0">
+            <a:spAutoFit/>
+          </a:bodyPr>
+          <a:lstStyle/>
+          <a:p>
+            <a:pPr algn="ctr"/>
+            <a:r>
+              <a:rPr lang="ko-KR" altLang="en-US" dirty="0"/>
+              <a:t>상담직원</a:t>
+            </a:r>
+          </a:p>
+        </p:txBody>
+      </p:sp>
+      <p:sp>
+        <p:nvSpPr>
+          <p:cNvPr id="9" name="TextBox 8">
+            <a:extLst>
+              <a:ext uri="{FF2B5EF4-FFF2-40B4-BE49-F238E27FC236}">
+                <a16:creationId xmlns:a16="http://schemas.microsoft.com/office/drawing/2014/main" id="{603F1A65-9EF4-3C98-4FE2-D59425AD548F}"/>
+              </a:ext>
+            </a:extLst>
+          </p:cNvPr>
+          <p:cNvSpPr txBox="1"/>
+          <p:nvPr/>
+        </p:nvSpPr>
+        <p:spPr>
+          <a:xfrm>
+            <a:off x="314825" y="5168899"/>
+            <a:ext cx="1358900" cy="369332"/>
+          </a:xfrm>
+          <a:prstGeom prst="rect">
+            <a:avLst/>
+          </a:prstGeom>
+          <a:noFill/>
+        </p:spPr>
+        <p:txBody>
+          <a:bodyPr wrap="square" rtlCol="0">
+            <a:spAutoFit/>
+          </a:bodyPr>
+          <a:lstStyle/>
+          <a:p>
+            <a:pPr algn="ctr"/>
+            <a:r>
+              <a:rPr lang="en-US" altLang="ko-KR" dirty="0"/>
+              <a:t>PB</a:t>
+            </a:r>
+            <a:endParaRPr lang="ko-KR" altLang="en-US" dirty="0"/>
+          </a:p>
+        </p:txBody>
+      </p:sp>
+      <p:sp>
+        <p:nvSpPr>
+          <p:cNvPr id="10" name="TextBox 9">
+            <a:extLst>
+              <a:ext uri="{FF2B5EF4-FFF2-40B4-BE49-F238E27FC236}">
+                <a16:creationId xmlns:a16="http://schemas.microsoft.com/office/drawing/2014/main" id="{98694243-313B-DA4E-60AB-39CF3F2B589C}"/>
+              </a:ext>
+            </a:extLst>
+          </p:cNvPr>
+          <p:cNvSpPr txBox="1"/>
+          <p:nvPr/>
+        </p:nvSpPr>
+        <p:spPr>
+          <a:xfrm>
+            <a:off x="2244001" y="6049486"/>
+            <a:ext cx="1739900" cy="369332"/>
+          </a:xfrm>
+          <a:prstGeom prst="rect">
+            <a:avLst/>
+          </a:prstGeom>
+          <a:noFill/>
+        </p:spPr>
+        <p:txBody>
+          <a:bodyPr wrap="square" rtlCol="0">
+            <a:spAutoFit/>
+          </a:bodyPr>
+          <a:lstStyle/>
+          <a:p>
+            <a:pPr algn="ctr"/>
+            <a:r>
+              <a:rPr lang="ko-KR" altLang="en-US" dirty="0"/>
+              <a:t>교육 신청 단계</a:t>
+            </a:r>
+          </a:p>
+        </p:txBody>
+      </p:sp>
+      <p:sp>
+        <p:nvSpPr>
+          <p:cNvPr id="11" name="TextBox 10">
+            <a:extLst>
+              <a:ext uri="{FF2B5EF4-FFF2-40B4-BE49-F238E27FC236}">
+                <a16:creationId xmlns:a16="http://schemas.microsoft.com/office/drawing/2014/main" id="{DB45C5E4-25B3-AA3B-0025-8CD210AFCF9D}"/>
+              </a:ext>
+            </a:extLst>
+          </p:cNvPr>
+          <p:cNvSpPr txBox="1"/>
+          <p:nvPr/>
+        </p:nvSpPr>
+        <p:spPr>
+          <a:xfrm>
+            <a:off x="5058198" y="6029135"/>
+            <a:ext cx="1739900" cy="369332"/>
+          </a:xfrm>
+          <a:prstGeom prst="rect">
+            <a:avLst/>
+          </a:prstGeom>
+          <a:noFill/>
+        </p:spPr>
+        <p:txBody>
+          <a:bodyPr wrap="square" rtlCol="0">
+            <a:spAutoFit/>
+          </a:bodyPr>
+          <a:lstStyle/>
+          <a:p>
+            <a:pPr algn="ctr"/>
+            <a:r>
+              <a:rPr lang="ko-KR" altLang="en-US" dirty="0"/>
+              <a:t>근태 관리 단계</a:t>
+            </a:r>
+          </a:p>
+        </p:txBody>
+      </p:sp>
+      <p:sp>
+        <p:nvSpPr>
+          <p:cNvPr id="12" name="사각형: 둥근 모서리 11">
+            <a:extLst>
+              <a:ext uri="{FF2B5EF4-FFF2-40B4-BE49-F238E27FC236}">
+                <a16:creationId xmlns:a16="http://schemas.microsoft.com/office/drawing/2014/main" id="{11B08752-0DC8-A543-575A-0A9B5D3DFAB3}"/>
+              </a:ext>
+            </a:extLst>
+          </p:cNvPr>
+          <p:cNvSpPr/>
+          <p:nvPr/>
+        </p:nvSpPr>
+        <p:spPr>
+          <a:xfrm>
+            <a:off x="2078009" y="2048933"/>
+            <a:ext cx="2024323" cy="889000"/>
+          </a:xfrm>
+          <a:prstGeom prst="roundRect">
+            <a:avLst>
+              <a:gd name="adj" fmla="val 50000"/>
+            </a:avLst>
+          </a:prstGeom>
+          <a:effectLst>
+            <a:outerShdw dist="88900" dir="2700000" algn="tl" rotWithShape="0">
+              <a:prstClr val="black"/>
+            </a:outerShdw>
+          </a:effectLst>
+        </p:spPr>
+        <p:style>
+          <a:lnRef idx="2">
+            <a:schemeClr val="dk1"/>
+          </a:lnRef>
+          <a:fillRef idx="1">
+            <a:schemeClr val="lt1"/>
+          </a:fillRef>
+          <a:effectRef idx="0">
+            <a:schemeClr val="dk1"/>
+          </a:effectRef>
+          <a:fontRef idx="minor">
+            <a:schemeClr val="dk1"/>
+          </a:fontRef>
+        </p:style>
+        <p:txBody>
+          <a:bodyPr rtlCol="0" anchor="ctr"/>
+          <a:lstStyle/>
+          <a:p>
+            <a:pPr algn="ctr"/>
+            <a:r>
+              <a:rPr lang="ko-KR" altLang="en-US" dirty="0"/>
+              <a:t>교육 사이트</a:t>
+            </a:r>
+            <a:br>
+              <a:rPr lang="en-US" altLang="ko-KR" dirty="0"/>
+            </a:br>
+            <a:r>
+              <a:rPr lang="ko-KR" altLang="en-US" dirty="0"/>
+              <a:t>교육신청</a:t>
+            </a:r>
+          </a:p>
+        </p:txBody>
+      </p:sp>
+      <p:sp>
+        <p:nvSpPr>
+          <p:cNvPr id="13" name="사각형: 둥근 모서리 12">
+            <a:extLst>
+              <a:ext uri="{FF2B5EF4-FFF2-40B4-BE49-F238E27FC236}">
+                <a16:creationId xmlns:a16="http://schemas.microsoft.com/office/drawing/2014/main" id="{25A99D4D-2954-317A-29C6-740BDD535402}"/>
+              </a:ext>
+            </a:extLst>
+          </p:cNvPr>
+          <p:cNvSpPr/>
+          <p:nvPr/>
+        </p:nvSpPr>
+        <p:spPr>
+          <a:xfrm>
+            <a:off x="2069543" y="3488266"/>
+            <a:ext cx="1856520" cy="889000"/>
+          </a:xfrm>
+          <a:prstGeom prst="roundRect">
+            <a:avLst>
+              <a:gd name="adj" fmla="val 50000"/>
+            </a:avLst>
+          </a:prstGeom>
+          <a:effectLst>
+            <a:outerShdw dist="88900" dir="2700000" algn="tl" rotWithShape="0">
+              <a:prstClr val="black"/>
+            </a:outerShdw>
+          </a:effectLst>
+        </p:spPr>
+        <p:style>
+          <a:lnRef idx="2">
+            <a:schemeClr val="dk1"/>
+          </a:lnRef>
+          <a:fillRef idx="1">
+            <a:schemeClr val="lt1"/>
+          </a:fillRef>
+          <a:effectRef idx="0">
+            <a:schemeClr val="dk1"/>
+          </a:effectRef>
+          <a:fontRef idx="minor">
+            <a:schemeClr val="dk1"/>
+          </a:fontRef>
+        </p:style>
+        <p:txBody>
+          <a:bodyPr rtlCol="0" anchor="ctr"/>
+          <a:lstStyle/>
+          <a:p>
+            <a:pPr algn="ctr"/>
+            <a:r>
+              <a:rPr lang="ko-KR" altLang="en-US" dirty="0"/>
+              <a:t>교육 담당자</a:t>
+            </a:r>
+            <a:br>
+              <a:rPr lang="en-US" altLang="ko-KR" dirty="0"/>
+            </a:br>
+            <a:r>
+              <a:rPr lang="ko-KR" altLang="en-US" dirty="0" err="1"/>
+              <a:t>일정취합</a:t>
+            </a:r>
+            <a:endParaRPr lang="ko-KR" altLang="en-US" dirty="0"/>
+          </a:p>
+        </p:txBody>
+      </p:sp>
+      <p:sp>
+        <p:nvSpPr>
+          <p:cNvPr id="14" name="사각형: 둥근 모서리 13">
+            <a:extLst>
+              <a:ext uri="{FF2B5EF4-FFF2-40B4-BE49-F238E27FC236}">
+                <a16:creationId xmlns:a16="http://schemas.microsoft.com/office/drawing/2014/main" id="{0080E500-EA7E-1FAE-7F3F-005B1E817F24}"/>
+              </a:ext>
+            </a:extLst>
+          </p:cNvPr>
+          <p:cNvSpPr/>
+          <p:nvPr/>
+        </p:nvSpPr>
+        <p:spPr>
+          <a:xfrm>
+            <a:off x="2078010" y="4902200"/>
+            <a:ext cx="1605682" cy="889000"/>
+          </a:xfrm>
+          <a:prstGeom prst="roundRect">
+            <a:avLst>
+              <a:gd name="adj" fmla="val 50000"/>
+            </a:avLst>
+          </a:prstGeom>
+          <a:effectLst>
+            <a:outerShdw dist="88900" dir="2700000" algn="tl" rotWithShape="0">
+              <a:prstClr val="black"/>
+            </a:outerShdw>
+          </a:effectLst>
+        </p:spPr>
+        <p:style>
+          <a:lnRef idx="2">
+            <a:schemeClr val="dk1"/>
+          </a:lnRef>
+          <a:fillRef idx="1">
+            <a:schemeClr val="lt1"/>
+          </a:fillRef>
+          <a:effectRef idx="0">
+            <a:schemeClr val="dk1"/>
+          </a:effectRef>
+          <a:fontRef idx="minor">
+            <a:schemeClr val="dk1"/>
+          </a:fontRef>
+        </p:style>
+        <p:txBody>
+          <a:bodyPr rtlCol="0" anchor="ctr"/>
+          <a:lstStyle/>
+          <a:p>
+            <a:pPr algn="ctr"/>
+            <a:r>
+              <a:rPr lang="ko-KR" altLang="en-US" dirty="0"/>
+              <a:t>필요 교육</a:t>
+            </a:r>
+            <a:br>
+              <a:rPr lang="en-US" altLang="ko-KR" dirty="0"/>
+            </a:br>
+            <a:r>
+              <a:rPr lang="ko-KR" altLang="en-US" dirty="0"/>
+              <a:t>선택 취합</a:t>
+            </a:r>
+          </a:p>
+        </p:txBody>
+      </p:sp>
+      <p:sp>
+        <p:nvSpPr>
+          <p:cNvPr id="15" name="사각형: 둥근 모서리 14">
+            <a:extLst>
+              <a:ext uri="{FF2B5EF4-FFF2-40B4-BE49-F238E27FC236}">
+                <a16:creationId xmlns:a16="http://schemas.microsoft.com/office/drawing/2014/main" id="{15D0C575-C0E3-BB1B-1E5C-9BACAAFC1C0D}"/>
+              </a:ext>
+            </a:extLst>
+          </p:cNvPr>
+          <p:cNvSpPr/>
+          <p:nvPr/>
+        </p:nvSpPr>
+        <p:spPr>
+          <a:xfrm>
+            <a:off x="4795809" y="3911600"/>
+            <a:ext cx="2127250" cy="889000"/>
+          </a:xfrm>
+          <a:prstGeom prst="roundRect">
+            <a:avLst>
+              <a:gd name="adj" fmla="val 50000"/>
+            </a:avLst>
+          </a:prstGeom>
+          <a:effectLst>
+            <a:outerShdw dist="88900" dir="2700000" algn="tl" rotWithShape="0">
+              <a:prstClr val="black"/>
+            </a:outerShdw>
+          </a:effectLst>
+        </p:spPr>
+        <p:style>
+          <a:lnRef idx="2">
+            <a:schemeClr val="dk1"/>
+          </a:lnRef>
+          <a:fillRef idx="1">
+            <a:schemeClr val="lt1"/>
+          </a:fillRef>
+          <a:effectRef idx="0">
+            <a:schemeClr val="dk1"/>
+          </a:effectRef>
+          <a:fontRef idx="minor">
+            <a:schemeClr val="dk1"/>
+          </a:fontRef>
+        </p:style>
+        <p:txBody>
+          <a:bodyPr rtlCol="0" anchor="ctr"/>
+          <a:lstStyle/>
+          <a:p>
+            <a:pPr algn="ctr"/>
+            <a:r>
+              <a:rPr lang="ko-KR" altLang="en-US" dirty="0"/>
+              <a:t>담당자 일괄</a:t>
+            </a:r>
+            <a:br>
+              <a:rPr lang="en-US" altLang="ko-KR" dirty="0"/>
+            </a:br>
+            <a:r>
+              <a:rPr lang="ko-KR" altLang="en-US" dirty="0"/>
+              <a:t>등록 수행</a:t>
+            </a:r>
+          </a:p>
+        </p:txBody>
+      </p:sp>
+      <p:sp>
+        <p:nvSpPr>
+          <p:cNvPr id="16" name="사각형: 둥근 모서리 15">
+            <a:extLst>
+              <a:ext uri="{FF2B5EF4-FFF2-40B4-BE49-F238E27FC236}">
+                <a16:creationId xmlns:a16="http://schemas.microsoft.com/office/drawing/2014/main" id="{74B7B9F7-13FC-0614-2F18-D7D0279EA08C}"/>
+              </a:ext>
+            </a:extLst>
+          </p:cNvPr>
+          <p:cNvSpPr/>
+          <p:nvPr/>
+        </p:nvSpPr>
+        <p:spPr>
+          <a:xfrm>
+            <a:off x="4795809" y="2184399"/>
+            <a:ext cx="2127250" cy="601133"/>
+          </a:xfrm>
+          <a:prstGeom prst="roundRect">
+            <a:avLst>
+              <a:gd name="adj" fmla="val 50000"/>
+            </a:avLst>
+          </a:prstGeom>
+          <a:effectLst>
+            <a:outerShdw dist="88900" dir="2700000" algn="tl" rotWithShape="0">
+              <a:prstClr val="black"/>
+            </a:outerShdw>
+          </a:effectLst>
+        </p:spPr>
+        <p:style>
+          <a:lnRef idx="2">
+            <a:schemeClr val="dk1"/>
+          </a:lnRef>
+          <a:fillRef idx="1">
+            <a:schemeClr val="lt1"/>
+          </a:fillRef>
+          <a:effectRef idx="0">
+            <a:schemeClr val="dk1"/>
+          </a:effectRef>
+          <a:fontRef idx="minor">
+            <a:schemeClr val="dk1"/>
+          </a:fontRef>
+        </p:style>
+        <p:txBody>
+          <a:bodyPr rtlCol="0" anchor="ctr"/>
+          <a:lstStyle/>
+          <a:p>
+            <a:pPr algn="ctr"/>
+            <a:r>
+              <a:rPr lang="ko-KR" altLang="en-US" dirty="0"/>
+              <a:t>휴가</a:t>
+            </a:r>
+            <a:r>
+              <a:rPr lang="en-US" altLang="ko-KR" dirty="0"/>
+              <a:t>/</a:t>
+            </a:r>
+            <a:r>
+              <a:rPr lang="ko-KR" altLang="en-US" dirty="0"/>
+              <a:t>근태 등록</a:t>
+            </a:r>
+          </a:p>
+        </p:txBody>
+      </p:sp>
+      <p:sp>
+        <p:nvSpPr>
+          <p:cNvPr id="18" name="원통형 17">
+            <a:extLst>
+              <a:ext uri="{FF2B5EF4-FFF2-40B4-BE49-F238E27FC236}">
+                <a16:creationId xmlns:a16="http://schemas.microsoft.com/office/drawing/2014/main" id="{F6E2B4BF-8227-D957-7CE3-DD79589A46F1}"/>
+              </a:ext>
+            </a:extLst>
+          </p:cNvPr>
+          <p:cNvSpPr/>
+          <p:nvPr/>
+        </p:nvSpPr>
+        <p:spPr>
+          <a:xfrm>
+            <a:off x="7534977" y="3358947"/>
+            <a:ext cx="1507066" cy="1041401"/>
+          </a:xfrm>
+          <a:prstGeom prst="can">
+            <a:avLst/>
+          </a:prstGeom>
+          <a:effectLst>
+            <a:outerShdw dist="88900" dir="8100000" algn="tr" rotWithShape="0">
+              <a:prstClr val="black"/>
+            </a:outerShdw>
+          </a:effectLst>
+        </p:spPr>
+        <p:style>
+          <a:lnRef idx="2">
+            <a:schemeClr val="dk1"/>
+          </a:lnRef>
+          <a:fillRef idx="1">
+            <a:schemeClr val="lt1"/>
+          </a:fillRef>
+          <a:effectRef idx="0">
+            <a:schemeClr val="dk1"/>
+          </a:effectRef>
+          <a:fontRef idx="minor">
+            <a:schemeClr val="dk1"/>
+          </a:fontRef>
+        </p:style>
+        <p:txBody>
+          <a:bodyPr rtlCol="0" anchor="ctr"/>
+          <a:lstStyle/>
+          <a:p>
+            <a:pPr algn="ctr"/>
+            <a:r>
+              <a:rPr lang="ko-KR" altLang="en-US" dirty="0"/>
+              <a:t>교육 </a:t>
+            </a:r>
+            <a:r>
+              <a:rPr lang="en-US" altLang="ko-KR" dirty="0"/>
+              <a:t>Feed</a:t>
+            </a:r>
+            <a:br>
+              <a:rPr lang="en-US" altLang="ko-KR" dirty="0"/>
+            </a:br>
+            <a:r>
+              <a:rPr lang="en-US" altLang="ko-KR" dirty="0"/>
+              <a:t>Back</a:t>
+            </a:r>
+            <a:endParaRPr lang="ko-KR" altLang="en-US" dirty="0"/>
+          </a:p>
+        </p:txBody>
+      </p:sp>
+      <p:cxnSp>
+        <p:nvCxnSpPr>
+          <p:cNvPr id="20" name="직선 화살표 연결선 19">
+            <a:extLst>
+              <a:ext uri="{FF2B5EF4-FFF2-40B4-BE49-F238E27FC236}">
+                <a16:creationId xmlns:a16="http://schemas.microsoft.com/office/drawing/2014/main" id="{42314ABC-52A3-8556-CD89-0D19897CF4BB}"/>
+              </a:ext>
+            </a:extLst>
+          </p:cNvPr>
+          <p:cNvCxnSpPr>
+            <a:cxnSpLocks/>
+          </p:cNvCxnSpPr>
+          <p:nvPr/>
+        </p:nvCxnSpPr>
+        <p:spPr>
+          <a:xfrm>
+            <a:off x="1385858" y="2417230"/>
+            <a:ext cx="692151" cy="0"/>
+          </a:xfrm>
+          <a:prstGeom prst="straightConnector1">
+            <a:avLst/>
+          </a:prstGeom>
+          <a:ln>
+            <a:headEnd type="none" w="med" len="med"/>
+            <a:tailEnd type="arrow" w="med" len="med"/>
+          </a:ln>
+        </p:spPr>
+        <p:style>
+          <a:lnRef idx="2">
+            <a:schemeClr val="dk1"/>
+          </a:lnRef>
+          <a:fillRef idx="0">
+            <a:schemeClr val="dk1"/>
+          </a:fillRef>
+          <a:effectRef idx="1">
+            <a:schemeClr val="dk1"/>
+          </a:effectRef>
+          <a:fontRef idx="minor">
+            <a:schemeClr val="tx1"/>
+          </a:fontRef>
+        </p:style>
+      </p:cxnSp>
+      <p:cxnSp>
+        <p:nvCxnSpPr>
+          <p:cNvPr id="22" name="직선 화살표 연결선 21">
+            <a:extLst>
+              <a:ext uri="{FF2B5EF4-FFF2-40B4-BE49-F238E27FC236}">
+                <a16:creationId xmlns:a16="http://schemas.microsoft.com/office/drawing/2014/main" id="{E5F34E8A-106F-9A6A-FBF3-97C00ACA34E6}"/>
+              </a:ext>
+            </a:extLst>
+          </p:cNvPr>
+          <p:cNvCxnSpPr>
+            <a:cxnSpLocks/>
+          </p:cNvCxnSpPr>
+          <p:nvPr/>
+        </p:nvCxnSpPr>
+        <p:spPr>
+          <a:xfrm>
+            <a:off x="1368926" y="3822699"/>
+            <a:ext cx="668866" cy="0"/>
+          </a:xfrm>
+          <a:prstGeom prst="straightConnector1">
+            <a:avLst/>
+          </a:prstGeom>
+          <a:ln>
+            <a:headEnd type="none" w="med" len="med"/>
+            <a:tailEnd type="arrow" w="med" len="med"/>
+          </a:ln>
+        </p:spPr>
+        <p:style>
+          <a:lnRef idx="2">
+            <a:schemeClr val="dk1"/>
+          </a:lnRef>
+          <a:fillRef idx="0">
+            <a:schemeClr val="dk1"/>
+          </a:fillRef>
+          <a:effectRef idx="1">
+            <a:schemeClr val="dk1"/>
+          </a:effectRef>
+          <a:fontRef idx="minor">
+            <a:schemeClr val="tx1"/>
+          </a:fontRef>
+        </p:style>
+      </p:cxnSp>
+      <p:cxnSp>
+        <p:nvCxnSpPr>
+          <p:cNvPr id="28" name="직선 화살표 연결선 27">
+            <a:extLst>
+              <a:ext uri="{FF2B5EF4-FFF2-40B4-BE49-F238E27FC236}">
+                <a16:creationId xmlns:a16="http://schemas.microsoft.com/office/drawing/2014/main" id="{1F053AC6-4D1C-2809-B4F2-1510B6249003}"/>
+              </a:ext>
+            </a:extLst>
+          </p:cNvPr>
+          <p:cNvCxnSpPr>
+            <a:cxnSpLocks/>
+          </p:cNvCxnSpPr>
+          <p:nvPr/>
+        </p:nvCxnSpPr>
+        <p:spPr>
+          <a:xfrm>
+            <a:off x="1292727" y="5295898"/>
+            <a:ext cx="711199" cy="0"/>
+          </a:xfrm>
+          <a:prstGeom prst="straightConnector1">
+            <a:avLst/>
+          </a:prstGeom>
+          <a:ln>
+            <a:headEnd type="none" w="med" len="med"/>
+            <a:tailEnd type="arrow" w="med" len="med"/>
+          </a:ln>
+        </p:spPr>
+        <p:style>
+          <a:lnRef idx="2">
+            <a:schemeClr val="dk1"/>
+          </a:lnRef>
+          <a:fillRef idx="0">
+            <a:schemeClr val="dk1"/>
+          </a:fillRef>
+          <a:effectRef idx="1">
+            <a:schemeClr val="dk1"/>
+          </a:effectRef>
+          <a:fontRef idx="minor">
+            <a:schemeClr val="tx1"/>
+          </a:fontRef>
+        </p:style>
+      </p:cxnSp>
+      <p:cxnSp>
+        <p:nvCxnSpPr>
+          <p:cNvPr id="31" name="직선 화살표 연결선 30">
+            <a:extLst>
+              <a:ext uri="{FF2B5EF4-FFF2-40B4-BE49-F238E27FC236}">
+                <a16:creationId xmlns:a16="http://schemas.microsoft.com/office/drawing/2014/main" id="{95055546-3589-DB7E-7465-243C8D613E3F}"/>
+              </a:ext>
+            </a:extLst>
+          </p:cNvPr>
+          <p:cNvCxnSpPr>
+            <a:cxnSpLocks/>
+            <a:endCxn id="16" idx="1"/>
+          </p:cNvCxnSpPr>
+          <p:nvPr/>
+        </p:nvCxnSpPr>
+        <p:spPr>
+          <a:xfrm>
+            <a:off x="4272992" y="2484966"/>
+            <a:ext cx="522817" cy="0"/>
+          </a:xfrm>
+          <a:prstGeom prst="straightConnector1">
+            <a:avLst/>
+          </a:prstGeom>
+          <a:ln>
+            <a:headEnd type="none" w="med" len="med"/>
+            <a:tailEnd type="arrow" w="med" len="med"/>
+          </a:ln>
+        </p:spPr>
+        <p:style>
+          <a:lnRef idx="2">
+            <a:schemeClr val="dk1"/>
+          </a:lnRef>
+          <a:fillRef idx="0">
+            <a:schemeClr val="dk1"/>
+          </a:fillRef>
+          <a:effectRef idx="1">
+            <a:schemeClr val="dk1"/>
+          </a:effectRef>
+          <a:fontRef idx="minor">
+            <a:schemeClr val="tx1"/>
+          </a:fontRef>
+        </p:style>
+      </p:cxnSp>
+      <p:cxnSp>
+        <p:nvCxnSpPr>
+          <p:cNvPr id="34" name="직선 화살표 연결선 33">
+            <a:extLst>
+              <a:ext uri="{FF2B5EF4-FFF2-40B4-BE49-F238E27FC236}">
+                <a16:creationId xmlns:a16="http://schemas.microsoft.com/office/drawing/2014/main" id="{61C45591-0BE4-E902-6EB4-5BC7145B40D8}"/>
+              </a:ext>
+            </a:extLst>
+          </p:cNvPr>
+          <p:cNvCxnSpPr>
+            <a:cxnSpLocks/>
+            <a:stCxn id="13" idx="3"/>
+            <a:endCxn id="15" idx="1"/>
+          </p:cNvCxnSpPr>
+          <p:nvPr/>
+        </p:nvCxnSpPr>
+        <p:spPr>
+          <a:xfrm>
+            <a:off x="3926063" y="3932766"/>
+            <a:ext cx="869746" cy="423334"/>
+          </a:xfrm>
+          <a:prstGeom prst="straightConnector1">
+            <a:avLst/>
+          </a:prstGeom>
+          <a:ln>
+            <a:headEnd type="none" w="med" len="med"/>
+            <a:tailEnd type="arrow" w="med" len="med"/>
+          </a:ln>
+        </p:spPr>
+        <p:style>
+          <a:lnRef idx="2">
+            <a:schemeClr val="dk1"/>
+          </a:lnRef>
+          <a:fillRef idx="0">
+            <a:schemeClr val="dk1"/>
+          </a:fillRef>
+          <a:effectRef idx="1">
+            <a:schemeClr val="dk1"/>
+          </a:effectRef>
+          <a:fontRef idx="minor">
+            <a:schemeClr val="tx1"/>
+          </a:fontRef>
+        </p:style>
+      </p:cxnSp>
+      <p:cxnSp>
+        <p:nvCxnSpPr>
+          <p:cNvPr id="39" name="직선 화살표 연결선 38">
+            <a:extLst>
+              <a:ext uri="{FF2B5EF4-FFF2-40B4-BE49-F238E27FC236}">
+                <a16:creationId xmlns:a16="http://schemas.microsoft.com/office/drawing/2014/main" id="{B4BADD86-97BA-E55A-1A06-F088A0B96387}"/>
+              </a:ext>
+            </a:extLst>
+          </p:cNvPr>
+          <p:cNvCxnSpPr>
+            <a:cxnSpLocks/>
+            <a:stCxn id="14" idx="3"/>
+            <a:endCxn id="15" idx="1"/>
+          </p:cNvCxnSpPr>
+          <p:nvPr/>
+        </p:nvCxnSpPr>
+        <p:spPr>
+          <a:xfrm flipV="1">
+            <a:off x="3683692" y="4356100"/>
+            <a:ext cx="1112117" cy="990600"/>
+          </a:xfrm>
+          <a:prstGeom prst="straightConnector1">
+            <a:avLst/>
+          </a:prstGeom>
+          <a:ln>
+            <a:headEnd type="none" w="med" len="med"/>
+            <a:tailEnd type="arrow" w="med" len="med"/>
+          </a:ln>
+        </p:spPr>
+        <p:style>
+          <a:lnRef idx="2">
+            <a:schemeClr val="dk1"/>
+          </a:lnRef>
+          <a:fillRef idx="0">
+            <a:schemeClr val="dk1"/>
+          </a:fillRef>
+          <a:effectRef idx="1">
+            <a:schemeClr val="dk1"/>
+          </a:effectRef>
+          <a:fontRef idx="minor">
+            <a:schemeClr val="tx1"/>
+          </a:fontRef>
+        </p:style>
+      </p:cxnSp>
+      <p:cxnSp>
+        <p:nvCxnSpPr>
+          <p:cNvPr id="42" name="직선 화살표 연결선 41">
+            <a:extLst>
+              <a:ext uri="{FF2B5EF4-FFF2-40B4-BE49-F238E27FC236}">
+                <a16:creationId xmlns:a16="http://schemas.microsoft.com/office/drawing/2014/main" id="{A740E412-E61E-2DF0-81F0-95945CD0AF01}"/>
+              </a:ext>
+            </a:extLst>
+          </p:cNvPr>
+          <p:cNvCxnSpPr>
+            <a:cxnSpLocks/>
+            <a:stCxn id="16" idx="3"/>
+          </p:cNvCxnSpPr>
+          <p:nvPr/>
+        </p:nvCxnSpPr>
+        <p:spPr>
+          <a:xfrm>
+            <a:off x="6923059" y="2484966"/>
+            <a:ext cx="498018" cy="1220760"/>
+          </a:xfrm>
+          <a:prstGeom prst="straightConnector1">
+            <a:avLst/>
+          </a:prstGeom>
+          <a:ln>
+            <a:headEnd type="none" w="med" len="med"/>
+            <a:tailEnd type="arrow" w="med" len="med"/>
+          </a:ln>
+        </p:spPr>
+        <p:style>
+          <a:lnRef idx="2">
+            <a:schemeClr val="dk1"/>
+          </a:lnRef>
+          <a:fillRef idx="0">
+            <a:schemeClr val="dk1"/>
+          </a:fillRef>
+          <a:effectRef idx="1">
+            <a:schemeClr val="dk1"/>
+          </a:effectRef>
+          <a:fontRef idx="minor">
+            <a:schemeClr val="tx1"/>
+          </a:fontRef>
+        </p:style>
+      </p:cxnSp>
+      <p:cxnSp>
+        <p:nvCxnSpPr>
+          <p:cNvPr id="46" name="직선 화살표 연결선 45">
+            <a:extLst>
+              <a:ext uri="{FF2B5EF4-FFF2-40B4-BE49-F238E27FC236}">
+                <a16:creationId xmlns:a16="http://schemas.microsoft.com/office/drawing/2014/main" id="{7345BEBA-6747-D3E4-7073-0A207706B9A2}"/>
+              </a:ext>
+            </a:extLst>
+          </p:cNvPr>
+          <p:cNvCxnSpPr>
+            <a:cxnSpLocks/>
+            <a:stCxn id="15" idx="3"/>
+          </p:cNvCxnSpPr>
+          <p:nvPr/>
+        </p:nvCxnSpPr>
+        <p:spPr>
+          <a:xfrm flipV="1">
+            <a:off x="6923059" y="3965608"/>
+            <a:ext cx="498018" cy="390492"/>
+          </a:xfrm>
+          <a:prstGeom prst="straightConnector1">
+            <a:avLst/>
+          </a:prstGeom>
+          <a:ln>
+            <a:headEnd type="none" w="med" len="med"/>
+            <a:tailEnd type="arrow" w="med" len="med"/>
+          </a:ln>
+        </p:spPr>
+        <p:style>
+          <a:lnRef idx="2">
+            <a:schemeClr val="dk1"/>
+          </a:lnRef>
+          <a:fillRef idx="0">
+            <a:schemeClr val="dk1"/>
+          </a:fillRef>
+          <a:effectRef idx="1">
+            <a:schemeClr val="dk1"/>
+          </a:effectRef>
+          <a:fontRef idx="minor">
+            <a:schemeClr val="tx1"/>
+          </a:fontRef>
+        </p:style>
+      </p:cxnSp>
+    </p:spTree>
+    <p:extLst>
+      <p:ext uri="{BB962C8B-B14F-4D97-AF65-F5344CB8AC3E}">
+        <p14:creationId xmlns:p14="http://schemas.microsoft.com/office/powerpoint/2010/main" val="63525832"/>
       </p:ext>
     </p:extLst>
   </p:cSld>
